--- a/slides/day 2/D2C1_ANN.pptx
+++ b/slides/day 2/D2C1_ANN.pptx
@@ -213,7 +213,7 @@
           <a:p>
             <a:fld id="{FF5685EE-3D40-0A4E-BB88-46887330FC0A}" type="datetimeFigureOut">
               <a:rPr lang="en-US" smtClean="0"/>
-              <a:t>9/24/25</a:t>
+              <a:t>9/25/25</a:t>
             </a:fld>
             <a:endParaRPr lang="en-US"/>
           </a:p>
@@ -595,7 +595,7 @@
             <a:fld id="{16F2FB5F-D553-C945-B874-A642CC0C851F}" type="datetime3">
               <a:rPr lang="en-IE" smtClean="0"/>
               <a:pPr/>
-              <a:t>24 September 2025</a:t>
+              <a:t>25 September 2025</a:t>
             </a:fld>
             <a:endParaRPr lang="en-US" dirty="0"/>
           </a:p>
@@ -1450,7 +1450,7 @@
             <a:fld id="{16F2FB5F-D553-C945-B874-A642CC0C851F}" type="datetime3">
               <a:rPr lang="en-IE" smtClean="0"/>
               <a:pPr/>
-              <a:t>24 September 2025</a:t>
+              <a:t>25 September 2025</a:t>
             </a:fld>
             <a:endParaRPr lang="en-US" dirty="0"/>
           </a:p>
@@ -1725,7 +1725,7 @@
             <a:fld id="{16F2FB5F-D553-C945-B874-A642CC0C851F}" type="datetime3">
               <a:rPr lang="en-IE" smtClean="0"/>
               <a:pPr/>
-              <a:t>24 September 2025</a:t>
+              <a:t>25 September 2025</a:t>
             </a:fld>
             <a:endParaRPr lang="en-US" dirty="0"/>
           </a:p>
@@ -1900,7 +1900,7 @@
           <a:p>
             <a:fld id="{BEF41344-4D35-F145-B477-F6239A2130EE}" type="datetime3">
               <a:rPr lang="en-IE" smtClean="0"/>
-              <a:t>24 September 2025</a:t>
+              <a:t>25 September 2025</a:t>
             </a:fld>
             <a:endParaRPr lang="en-US"/>
           </a:p>
@@ -2176,7 +2176,7 @@
           <a:p>
             <a:fld id="{07196900-CA2A-2D43-9641-C5C0DD2D22D3}" type="datetime3">
               <a:rPr lang="en-IE" smtClean="0"/>
-              <a:t>24 September 2025</a:t>
+              <a:t>25 September 2025</a:t>
             </a:fld>
             <a:endParaRPr lang="en-US"/>
           </a:p>
@@ -2444,7 +2444,7 @@
           <a:p>
             <a:fld id="{8AB1A910-F8E0-D541-83F2-2CFD6E718762}" type="datetime3">
               <a:rPr lang="en-IE" smtClean="0"/>
-              <a:t>24 September 2025</a:t>
+              <a:t>25 September 2025</a:t>
             </a:fld>
             <a:endParaRPr lang="en-US"/>
           </a:p>
@@ -2586,7 +2586,7 @@
           <a:p>
             <a:fld id="{7E245B59-D3F3-5B43-BDD1-6C7B7CFD2AA6}" type="datetime3">
               <a:rPr lang="en-IE" smtClean="0"/>
-              <a:t>24 September 2025</a:t>
+              <a:t>25 September 2025</a:t>
             </a:fld>
             <a:endParaRPr lang="en-US"/>
           </a:p>
@@ -2699,7 +2699,7 @@
           <a:p>
             <a:fld id="{AD77DDCF-3644-8C44-AE36-2C59F897E125}" type="datetime3">
               <a:rPr lang="en-IE" smtClean="0"/>
-              <a:t>24 September 2025</a:t>
+              <a:t>25 September 2025</a:t>
             </a:fld>
             <a:endParaRPr lang="en-US"/>
           </a:p>
@@ -3110,7 +3110,7 @@
           <a:p>
             <a:fld id="{C1B28D5F-B017-3B47-9775-DA319F6143FF}" type="datetime3">
               <a:rPr lang="en-IE" smtClean="0"/>
-              <a:t>24 September 2025</a:t>
+              <a:t>25 September 2025</a:t>
             </a:fld>
             <a:endParaRPr lang="en-US" dirty="0"/>
           </a:p>

--- a/slides/day 2/D2C1_ANN.pptx
+++ b/slides/day 2/D2C1_ANN.pptx
@@ -213,7 +213,7 @@
           <a:p>
             <a:fld id="{FF5685EE-3D40-0A4E-BB88-46887330FC0A}" type="datetimeFigureOut">
               <a:rPr lang="en-US" smtClean="0"/>
-              <a:t>9/25/25</a:t>
+              <a:t>9/29/25</a:t>
             </a:fld>
             <a:endParaRPr lang="en-US"/>
           </a:p>
@@ -595,7 +595,7 @@
             <a:fld id="{16F2FB5F-D553-C945-B874-A642CC0C851F}" type="datetime3">
               <a:rPr lang="en-IE" smtClean="0"/>
               <a:pPr/>
-              <a:t>25 September 2025</a:t>
+              <a:t>29 September 2025</a:t>
             </a:fld>
             <a:endParaRPr lang="en-US" dirty="0"/>
           </a:p>
@@ -1450,7 +1450,7 @@
             <a:fld id="{16F2FB5F-D553-C945-B874-A642CC0C851F}" type="datetime3">
               <a:rPr lang="en-IE" smtClean="0"/>
               <a:pPr/>
-              <a:t>25 September 2025</a:t>
+              <a:t>29 September 2025</a:t>
             </a:fld>
             <a:endParaRPr lang="en-US" dirty="0"/>
           </a:p>
@@ -1725,7 +1725,7 @@
             <a:fld id="{16F2FB5F-D553-C945-B874-A642CC0C851F}" type="datetime3">
               <a:rPr lang="en-IE" smtClean="0"/>
               <a:pPr/>
-              <a:t>25 September 2025</a:t>
+              <a:t>29 September 2025</a:t>
             </a:fld>
             <a:endParaRPr lang="en-US" dirty="0"/>
           </a:p>
@@ -1900,7 +1900,7 @@
           <a:p>
             <a:fld id="{BEF41344-4D35-F145-B477-F6239A2130EE}" type="datetime3">
               <a:rPr lang="en-IE" smtClean="0"/>
-              <a:t>25 September 2025</a:t>
+              <a:t>29 September 2025</a:t>
             </a:fld>
             <a:endParaRPr lang="en-US"/>
           </a:p>
@@ -2176,7 +2176,7 @@
           <a:p>
             <a:fld id="{07196900-CA2A-2D43-9641-C5C0DD2D22D3}" type="datetime3">
               <a:rPr lang="en-IE" smtClean="0"/>
-              <a:t>25 September 2025</a:t>
+              <a:t>29 September 2025</a:t>
             </a:fld>
             <a:endParaRPr lang="en-US"/>
           </a:p>
@@ -2444,7 +2444,7 @@
           <a:p>
             <a:fld id="{8AB1A910-F8E0-D541-83F2-2CFD6E718762}" type="datetime3">
               <a:rPr lang="en-IE" smtClean="0"/>
-              <a:t>25 September 2025</a:t>
+              <a:t>29 September 2025</a:t>
             </a:fld>
             <a:endParaRPr lang="en-US"/>
           </a:p>
@@ -2586,7 +2586,7 @@
           <a:p>
             <a:fld id="{7E245B59-D3F3-5B43-BDD1-6C7B7CFD2AA6}" type="datetime3">
               <a:rPr lang="en-IE" smtClean="0"/>
-              <a:t>25 September 2025</a:t>
+              <a:t>29 September 2025</a:t>
             </a:fld>
             <a:endParaRPr lang="en-US"/>
           </a:p>
@@ -2699,7 +2699,7 @@
           <a:p>
             <a:fld id="{AD77DDCF-3644-8C44-AE36-2C59F897E125}" type="datetime3">
               <a:rPr lang="en-IE" smtClean="0"/>
-              <a:t>25 September 2025</a:t>
+              <a:t>29 September 2025</a:t>
             </a:fld>
             <a:endParaRPr lang="en-US"/>
           </a:p>
@@ -3110,7 +3110,7 @@
           <a:p>
             <a:fld id="{C1B28D5F-B017-3B47-9775-DA319F6143FF}" type="datetime3">
               <a:rPr lang="en-IE" smtClean="0"/>
-              <a:t>25 September 2025</a:t>
+              <a:t>29 September 2025</a:t>
             </a:fld>
             <a:endParaRPr lang="en-US" dirty="0"/>
           </a:p>
@@ -3562,43 +3562,6 @@
                 </a:solidFill>
               </a:rPr>
               <a:t>Class 3: Training a Simple Neural Network by Hand</a:t>
-            </a:r>
-            <a:endParaRPr lang="en-US" dirty="0"/>
-          </a:p>
-        </p:txBody>
-      </p:sp>
-      <p:sp>
-        <p:nvSpPr>
-          <p:cNvPr id="4" name="Date Placeholder 3">
-            <a:extLst>
-              <a:ext uri="{FF2B5EF4-FFF2-40B4-BE49-F238E27FC236}">
-                <a16:creationId xmlns:a16="http://schemas.microsoft.com/office/drawing/2014/main" id="{2C83DDF0-7F71-C659-1382-6A998C0FCCEF}"/>
-              </a:ext>
-            </a:extLst>
-          </p:cNvPr>
-          <p:cNvSpPr>
-            <a:spLocks noGrp="1"/>
-          </p:cNvSpPr>
-          <p:nvPr>
-            <p:ph type="dt" sz="half" idx="10"/>
-          </p:nvPr>
-        </p:nvSpPr>
-        <p:spPr/>
-        <p:txBody>
-          <a:bodyPr/>
-          <a:lstStyle/>
-          <a:p>
-            <a:r>
-              <a:rPr lang="en-IE" dirty="0"/>
-              <a:t>7</a:t>
-            </a:r>
-            <a:r>
-              <a:rPr lang="en-IE" baseline="30000" dirty="0"/>
-              <a:t>th</a:t>
-            </a:r>
-            <a:r>
-              <a:rPr lang="en-IE" dirty="0"/>
-              <a:t> October 2025</a:t>
             </a:r>
             <a:endParaRPr lang="en-US" dirty="0"/>
           </a:p>

--- a/slides/day 2/D2C1_ANN.pptx
+++ b/slides/day 2/D2C1_ANN.pptx
@@ -213,7 +213,7 @@
           <a:p>
             <a:fld id="{FF5685EE-3D40-0A4E-BB88-46887330FC0A}" type="datetimeFigureOut">
               <a:rPr lang="en-US" smtClean="0"/>
-              <a:t>9/29/25</a:t>
+              <a:t>10/1/25</a:t>
             </a:fld>
             <a:endParaRPr lang="en-US"/>
           </a:p>
@@ -595,7 +595,7 @@
             <a:fld id="{16F2FB5F-D553-C945-B874-A642CC0C851F}" type="datetime3">
               <a:rPr lang="en-IE" smtClean="0"/>
               <a:pPr/>
-              <a:t>29 September 2025</a:t>
+              <a:t>1 October 2025</a:t>
             </a:fld>
             <a:endParaRPr lang="en-US" dirty="0"/>
           </a:p>
@@ -1450,7 +1450,7 @@
             <a:fld id="{16F2FB5F-D553-C945-B874-A642CC0C851F}" type="datetime3">
               <a:rPr lang="en-IE" smtClean="0"/>
               <a:pPr/>
-              <a:t>29 September 2025</a:t>
+              <a:t>1 October 2025</a:t>
             </a:fld>
             <a:endParaRPr lang="en-US" dirty="0"/>
           </a:p>
@@ -1725,7 +1725,7 @@
             <a:fld id="{16F2FB5F-D553-C945-B874-A642CC0C851F}" type="datetime3">
               <a:rPr lang="en-IE" smtClean="0"/>
               <a:pPr/>
-              <a:t>29 September 2025</a:t>
+              <a:t>1 October 2025</a:t>
             </a:fld>
             <a:endParaRPr lang="en-US" dirty="0"/>
           </a:p>
@@ -1900,7 +1900,7 @@
           <a:p>
             <a:fld id="{BEF41344-4D35-F145-B477-F6239A2130EE}" type="datetime3">
               <a:rPr lang="en-IE" smtClean="0"/>
-              <a:t>29 September 2025</a:t>
+              <a:t>1 October 2025</a:t>
             </a:fld>
             <a:endParaRPr lang="en-US"/>
           </a:p>
@@ -2176,7 +2176,7 @@
           <a:p>
             <a:fld id="{07196900-CA2A-2D43-9641-C5C0DD2D22D3}" type="datetime3">
               <a:rPr lang="en-IE" smtClean="0"/>
-              <a:t>29 September 2025</a:t>
+              <a:t>1 October 2025</a:t>
             </a:fld>
             <a:endParaRPr lang="en-US"/>
           </a:p>
@@ -2444,7 +2444,7 @@
           <a:p>
             <a:fld id="{8AB1A910-F8E0-D541-83F2-2CFD6E718762}" type="datetime3">
               <a:rPr lang="en-IE" smtClean="0"/>
-              <a:t>29 September 2025</a:t>
+              <a:t>1 October 2025</a:t>
             </a:fld>
             <a:endParaRPr lang="en-US"/>
           </a:p>
@@ -2586,7 +2586,7 @@
           <a:p>
             <a:fld id="{7E245B59-D3F3-5B43-BDD1-6C7B7CFD2AA6}" type="datetime3">
               <a:rPr lang="en-IE" smtClean="0"/>
-              <a:t>29 September 2025</a:t>
+              <a:t>1 October 2025</a:t>
             </a:fld>
             <a:endParaRPr lang="en-US"/>
           </a:p>
@@ -2699,7 +2699,7 @@
           <a:p>
             <a:fld id="{AD77DDCF-3644-8C44-AE36-2C59F897E125}" type="datetime3">
               <a:rPr lang="en-IE" smtClean="0"/>
-              <a:t>29 September 2025</a:t>
+              <a:t>1 October 2025</a:t>
             </a:fld>
             <a:endParaRPr lang="en-US"/>
           </a:p>
@@ -3110,7 +3110,7 @@
           <a:p>
             <a:fld id="{C1B28D5F-B017-3B47-9775-DA319F6143FF}" type="datetime3">
               <a:rPr lang="en-IE" smtClean="0"/>
-              <a:t>29 September 2025</a:t>
+              <a:t>1 October 2025</a:t>
             </a:fld>
             <a:endParaRPr lang="en-US" dirty="0"/>
           </a:p>
@@ -4495,7 +4495,7 @@
           <a:p>
             <a:r>
               <a:rPr lang="en-IE" dirty="0"/>
-              <a:t>A similar version to this will be Q1 of the exam!</a:t>
+              <a:t>A simpler version to this will be Q1 of the exam!</a:t>
             </a:r>
             <a:endParaRPr dirty="0"/>
           </a:p>
@@ -4630,7 +4630,7 @@
             </a:pPr>
             <a:r>
               <a:rPr lang="en-US" dirty="0"/>
-              <a:t>Very very easy to make small mistakes</a:t>
+              <a:t>Easy to make small mistakes. Marks given for process not accuracy</a:t>
             </a:r>
           </a:p>
         </p:txBody>
@@ -8070,8 +8070,8 @@
           </p:sp>
         </mc:Fallback>
       </mc:AlternateContent>
-      <mc:AlternateContent xmlns:mc="http://schemas.openxmlformats.org/markup-compatibility/2006" xmlns:a14="http://schemas.microsoft.com/office/drawing/2010/main">
-        <mc:Choice Requires="a14">
+      <mc:AlternateContent xmlns:mc="http://schemas.openxmlformats.org/markup-compatibility/2006">
+        <mc:Choice xmlns:a14="http://schemas.microsoft.com/office/drawing/2010/main" Requires="a14">
           <p:sp>
             <p:nvSpPr>
               <p:cNvPr id="39" name="TextBox 38">
@@ -8128,7 +8128,13 @@
                             <a:rPr lang="en-IE" b="0" i="1" dirty="0" smtClean="0">
                               <a:latin typeface="Cambria Math" panose="02040503050406030204" pitchFamily="18" charset="0"/>
                             </a:rPr>
-                            <m:t>12</m:t>
+                            <m:t>2</m:t>
+                          </m:r>
+                          <m:r>
+                            <a:rPr lang="en-IE" b="0" i="1" dirty="0" smtClean="0">
+                              <a:latin typeface="Cambria Math" panose="02040503050406030204" pitchFamily="18" charset="0"/>
+                            </a:rPr>
+                            <m:t>1</m:t>
                           </m:r>
                         </m:sub>
                       </m:sSub>
@@ -8140,7 +8146,7 @@
             </p:txBody>
           </p:sp>
         </mc:Choice>
-        <mc:Fallback xmlns="">
+        <mc:Fallback>
           <p:sp>
             <p:nvSpPr>
               <p:cNvPr id="39" name="TextBox 38">
@@ -8185,8 +8191,8 @@
           </p:sp>
         </mc:Fallback>
       </mc:AlternateContent>
-      <mc:AlternateContent xmlns:mc="http://schemas.openxmlformats.org/markup-compatibility/2006" xmlns:a14="http://schemas.microsoft.com/office/drawing/2010/main">
-        <mc:Choice Requires="a14">
+      <mc:AlternateContent xmlns:mc="http://schemas.openxmlformats.org/markup-compatibility/2006">
+        <mc:Choice xmlns:a14="http://schemas.microsoft.com/office/drawing/2010/main" Requires="a14">
           <p:sp>
             <p:nvSpPr>
               <p:cNvPr id="40" name="TextBox 39">
@@ -8243,7 +8249,7 @@
                             <a:rPr lang="en-IE" b="0" i="1" dirty="0" smtClean="0">
                               <a:latin typeface="Cambria Math" panose="02040503050406030204" pitchFamily="18" charset="0"/>
                             </a:rPr>
-                            <m:t>21</m:t>
+                            <m:t>12</m:t>
                           </m:r>
                         </m:sub>
                       </m:sSub>
@@ -8255,7 +8261,7 @@
             </p:txBody>
           </p:sp>
         </mc:Choice>
-        <mc:Fallback xmlns="">
+        <mc:Fallback>
           <p:sp>
             <p:nvSpPr>
               <p:cNvPr id="40" name="TextBox 39">
@@ -8415,8 +8421,8 @@
           </p:sp>
         </mc:Fallback>
       </mc:AlternateContent>
-      <mc:AlternateContent xmlns:mc="http://schemas.openxmlformats.org/markup-compatibility/2006" xmlns:a14="http://schemas.microsoft.com/office/drawing/2010/main">
-        <mc:Choice Requires="a14">
+      <mc:AlternateContent xmlns:mc="http://schemas.openxmlformats.org/markup-compatibility/2006">
+        <mc:Choice xmlns:a14="http://schemas.microsoft.com/office/drawing/2010/main" Requires="a14">
           <p:sp>
             <p:nvSpPr>
               <p:cNvPr id="42" name="TextBox 41">
@@ -8473,7 +8479,7 @@
                             <a:rPr lang="en-IE" b="0" i="1" dirty="0" smtClean="0">
                               <a:latin typeface="Cambria Math" panose="02040503050406030204" pitchFamily="18" charset="0"/>
                             </a:rPr>
-                            <m:t>31</m:t>
+                            <m:t>13</m:t>
                           </m:r>
                         </m:sub>
                       </m:sSub>
@@ -8485,7 +8491,7 @@
             </p:txBody>
           </p:sp>
         </mc:Choice>
-        <mc:Fallback xmlns="">
+        <mc:Fallback>
           <p:sp>
             <p:nvSpPr>
               <p:cNvPr id="42" name="TextBox 41">
@@ -8530,8 +8536,8 @@
           </p:sp>
         </mc:Fallback>
       </mc:AlternateContent>
-      <mc:AlternateContent xmlns:mc="http://schemas.openxmlformats.org/markup-compatibility/2006" xmlns:a14="http://schemas.microsoft.com/office/drawing/2010/main">
-        <mc:Choice Requires="a14">
+      <mc:AlternateContent xmlns:mc="http://schemas.openxmlformats.org/markup-compatibility/2006">
+        <mc:Choice xmlns:a14="http://schemas.microsoft.com/office/drawing/2010/main" Requires="a14">
           <p:sp>
             <p:nvSpPr>
               <p:cNvPr id="43" name="TextBox 42">
@@ -8588,7 +8594,7 @@
                             <a:rPr lang="en-IE" b="0" i="1" dirty="0" smtClean="0">
                               <a:latin typeface="Cambria Math" panose="02040503050406030204" pitchFamily="18" charset="0"/>
                             </a:rPr>
-                            <m:t>32</m:t>
+                            <m:t>23</m:t>
                           </m:r>
                         </m:sub>
                       </m:sSub>
@@ -8600,7 +8606,7 @@
             </p:txBody>
           </p:sp>
         </mc:Choice>
-        <mc:Fallback xmlns="">
+        <mc:Fallback>
           <p:sp>
             <p:nvSpPr>
               <p:cNvPr id="43" name="TextBox 42">
@@ -9963,8 +9969,8 @@
           </a:p>
         </p:txBody>
       </p:sp>
-      <mc:AlternateContent xmlns:mc="http://schemas.openxmlformats.org/markup-compatibility/2006" xmlns:a14="http://schemas.microsoft.com/office/drawing/2010/main">
-        <mc:Choice Requires="a14">
+      <mc:AlternateContent xmlns:mc="http://schemas.openxmlformats.org/markup-compatibility/2006">
+        <mc:Choice xmlns:a14="http://schemas.microsoft.com/office/drawing/2010/main" Requires="a14">
           <p:sp>
             <p:nvSpPr>
               <p:cNvPr id="6" name="Content Placeholder 5">
@@ -10031,13 +10037,13 @@
                               <m:mcs>
                                 <m:mc>
                                   <m:mcPr>
-                                    <m:count m:val="2"/>
+                                    <m:count m:val="3"/>
                                     <m:mcJc m:val="center"/>
                                   </m:mcPr>
                                 </m:mc>
                               </m:mcs>
                               <m:ctrlPr>
-                                <a:rPr lang="en-IE" i="1">
+                                <a:rPr lang="en-IE" i="1" smtClean="0">
                                   <a:latin typeface="Cambria Math" panose="02040503050406030204" pitchFamily="18" charset="0"/>
                                 </a:rPr>
                               </m:ctrlPr>
@@ -10048,7 +10054,7 @@
                                   <m:rPr>
                                     <m:brk m:alnAt="7"/>
                                   </m:rPr>
-                                  <a:rPr lang="en-IE" i="1">
+                                  <a:rPr lang="en-IE" b="0" i="1" smtClean="0">
                                     <a:latin typeface="Cambria Math" panose="02040503050406030204" pitchFamily="18" charset="0"/>
                                   </a:rPr>
                                   <m:t>1</m:t>
@@ -10056,17 +10062,7 @@
                               </m:e>
                               <m:e>
                                 <m:r>
-                                  <a:rPr lang="en-IE" i="1">
-                                    <a:latin typeface="Cambria Math" panose="02040503050406030204" pitchFamily="18" charset="0"/>
-                                  </a:rPr>
-                                  <m:t>0</m:t>
-                                </m:r>
-                              </m:e>
-                            </m:mr>
-                            <m:mr>
-                              <m:e>
-                                <m:r>
-                                  <a:rPr lang="en-IE" i="1">
+                                  <a:rPr lang="en-IE" b="0" i="1" smtClean="0">
                                     <a:latin typeface="Cambria Math" panose="02040503050406030204" pitchFamily="18" charset="0"/>
                                   </a:rPr>
                                   <m:t>−1</m:t>
@@ -10074,25 +10070,33 @@
                               </m:e>
                               <m:e>
                                 <m:r>
-                                  <a:rPr lang="en-IE" i="1">
+                                  <a:rPr lang="en-IE" b="0" i="1" smtClean="0">
                                     <a:latin typeface="Cambria Math" panose="02040503050406030204" pitchFamily="18" charset="0"/>
                                   </a:rPr>
-                                  <m:t>0</m:t>
+                                  <m:t>1</m:t>
                                 </m:r>
                               </m:e>
                             </m:mr>
                             <m:mr>
                               <m:e>
                                 <m:r>
-                                  <a:rPr lang="en-IE" i="1">
+                                  <a:rPr lang="en-IE" b="0" i="1" smtClean="0">
                                     <a:latin typeface="Cambria Math" panose="02040503050406030204" pitchFamily="18" charset="0"/>
                                   </a:rPr>
-                                  <m:t>1</m:t>
+                                  <m:t>−2</m:t>
                                 </m:r>
                               </m:e>
                               <m:e>
                                 <m:r>
-                                  <a:rPr lang="en-IE" i="1">
+                                  <a:rPr lang="en-IE" b="0" i="1" smtClean="0">
+                                    <a:latin typeface="Cambria Math" panose="02040503050406030204" pitchFamily="18" charset="0"/>
+                                  </a:rPr>
+                                  <m:t>0</m:t>
+                                </m:r>
+                              </m:e>
+                              <m:e>
+                                <m:r>
+                                  <a:rPr lang="en-IE" b="0" i="1" smtClean="0">
                                     <a:latin typeface="Cambria Math" panose="02040503050406030204" pitchFamily="18" charset="0"/>
                                   </a:rPr>
                                   <m:t>1</m:t>
@@ -10100,13 +10104,6 @@
                               </m:e>
                             </m:mr>
                           </m:m>
-                          <m:r>
-                            <m:rPr>
-                              <m:nor/>
-                            </m:rPr>
-                            <a:rPr lang="en-IE" dirty="0"/>
-                            <m:t> </m:t>
-                          </m:r>
                         </m:e>
                       </m:d>
                     </m:oMath>
@@ -10121,12 +10118,31 @@
                 </a:r>
                 <a14:m>
                   <m:oMath xmlns:m="http://schemas.openxmlformats.org/officeDocument/2006/math">
-                    <m:r>
-                      <a:rPr lang="en-IE" i="1" dirty="0" smtClean="0">
-                        <a:latin typeface="Cambria Math" panose="02040503050406030204" pitchFamily="18" charset="0"/>
-                      </a:rPr>
-                      <m:t>𝑏</m:t>
-                    </m:r>
+                    <m:sSup>
+                      <m:sSupPr>
+                        <m:ctrlPr>
+                          <a:rPr lang="en-IE" b="0" i="1" dirty="0" smtClean="0">
+                            <a:latin typeface="Cambria Math" panose="02040503050406030204" pitchFamily="18" charset="0"/>
+                          </a:rPr>
+                        </m:ctrlPr>
+                      </m:sSupPr>
+                      <m:e>
+                        <m:r>
+                          <a:rPr lang="en-IE" i="1" dirty="0" smtClean="0">
+                            <a:latin typeface="Cambria Math" panose="02040503050406030204" pitchFamily="18" charset="0"/>
+                          </a:rPr>
+                          <m:t>𝑏</m:t>
+                        </m:r>
+                      </m:e>
+                      <m:sup>
+                        <m:r>
+                          <a:rPr lang="en-IE" b="0" i="1" dirty="0" smtClean="0">
+                            <a:latin typeface="Cambria Math" panose="02040503050406030204" pitchFamily="18" charset="0"/>
+                          </a:rPr>
+                          <m:t>𝑇</m:t>
+                        </m:r>
+                      </m:sup>
+                    </m:sSup>
                   </m:oMath>
                 </a14:m>
                 <a:r>
@@ -10170,7 +10186,13 @@
                 </a14:m>
                 <a:r>
                   <a:rPr lang="en-IE" dirty="0"/>
-                  <a:t> = [1, -1], Output bias: </a:t>
+                  <a:t> = [1, -1]</a:t>
+                </a:r>
+              </a:p>
+              <a:p>
+                <a:r>
+                  <a:rPr lang="en-IE" dirty="0"/>
+                  <a:t>Output bias: </a:t>
                 </a:r>
                 <a14:m>
                   <m:oMath xmlns:m="http://schemas.openxmlformats.org/officeDocument/2006/math">
@@ -10212,7 +10234,7 @@
             </p:txBody>
           </p:sp>
         </mc:Choice>
-        <mc:Fallback xmlns="">
+        <mc:Fallback>
           <p:sp>
             <p:nvSpPr>
               <p:cNvPr id="6" name="Content Placeholder 5">

--- a/slides/day 2/D2C1_ANN.pptx
+++ b/slides/day 2/D2C1_ANN.pptx
@@ -213,7 +213,7 @@
           <a:p>
             <a:fld id="{FF5685EE-3D40-0A4E-BB88-46887330FC0A}" type="datetimeFigureOut">
               <a:rPr lang="en-US" smtClean="0"/>
-              <a:t>10/1/25</a:t>
+              <a:t>10/4/2025</a:t>
             </a:fld>
             <a:endParaRPr lang="en-US"/>
           </a:p>
@@ -595,7 +595,7 @@
             <a:fld id="{16F2FB5F-D553-C945-B874-A642CC0C851F}" type="datetime3">
               <a:rPr lang="en-IE" smtClean="0"/>
               <a:pPr/>
-              <a:t>1 October 2025</a:t>
+              <a:t>4 October 2025</a:t>
             </a:fld>
             <a:endParaRPr lang="en-US" dirty="0"/>
           </a:p>
@@ -1450,7 +1450,7 @@
             <a:fld id="{16F2FB5F-D553-C945-B874-A642CC0C851F}" type="datetime3">
               <a:rPr lang="en-IE" smtClean="0"/>
               <a:pPr/>
-              <a:t>1 October 2025</a:t>
+              <a:t>4 October 2025</a:t>
             </a:fld>
             <a:endParaRPr lang="en-US" dirty="0"/>
           </a:p>
@@ -1725,7 +1725,7 @@
             <a:fld id="{16F2FB5F-D553-C945-B874-A642CC0C851F}" type="datetime3">
               <a:rPr lang="en-IE" smtClean="0"/>
               <a:pPr/>
-              <a:t>1 October 2025</a:t>
+              <a:t>4 October 2025</a:t>
             </a:fld>
             <a:endParaRPr lang="en-US" dirty="0"/>
           </a:p>
@@ -1900,7 +1900,7 @@
           <a:p>
             <a:fld id="{BEF41344-4D35-F145-B477-F6239A2130EE}" type="datetime3">
               <a:rPr lang="en-IE" smtClean="0"/>
-              <a:t>1 October 2025</a:t>
+              <a:t>4 October 2025</a:t>
             </a:fld>
             <a:endParaRPr lang="en-US"/>
           </a:p>
@@ -2176,7 +2176,7 @@
           <a:p>
             <a:fld id="{07196900-CA2A-2D43-9641-C5C0DD2D22D3}" type="datetime3">
               <a:rPr lang="en-IE" smtClean="0"/>
-              <a:t>1 October 2025</a:t>
+              <a:t>4 October 2025</a:t>
             </a:fld>
             <a:endParaRPr lang="en-US"/>
           </a:p>
@@ -2444,7 +2444,7 @@
           <a:p>
             <a:fld id="{8AB1A910-F8E0-D541-83F2-2CFD6E718762}" type="datetime3">
               <a:rPr lang="en-IE" smtClean="0"/>
-              <a:t>1 October 2025</a:t>
+              <a:t>4 October 2025</a:t>
             </a:fld>
             <a:endParaRPr lang="en-US"/>
           </a:p>
@@ -2586,7 +2586,7 @@
           <a:p>
             <a:fld id="{7E245B59-D3F3-5B43-BDD1-6C7B7CFD2AA6}" type="datetime3">
               <a:rPr lang="en-IE" smtClean="0"/>
-              <a:t>1 October 2025</a:t>
+              <a:t>4 October 2025</a:t>
             </a:fld>
             <a:endParaRPr lang="en-US"/>
           </a:p>
@@ -2699,7 +2699,7 @@
           <a:p>
             <a:fld id="{AD77DDCF-3644-8C44-AE36-2C59F897E125}" type="datetime3">
               <a:rPr lang="en-IE" smtClean="0"/>
-              <a:t>1 October 2025</a:t>
+              <a:t>4 October 2025</a:t>
             </a:fld>
             <a:endParaRPr lang="en-US"/>
           </a:p>
@@ -3110,7 +3110,7 @@
           <a:p>
             <a:fld id="{C1B28D5F-B017-3B47-9775-DA319F6143FF}" type="datetime3">
               <a:rPr lang="en-IE" smtClean="0"/>
-              <a:t>1 October 2025</a:t>
+              <a:t>4 October 2025</a:t>
             </a:fld>
             <a:endParaRPr lang="en-US" dirty="0"/>
           </a:p>
@@ -8070,8 +8070,8 @@
           </p:sp>
         </mc:Fallback>
       </mc:AlternateContent>
-      <mc:AlternateContent xmlns:mc="http://schemas.openxmlformats.org/markup-compatibility/2006">
-        <mc:Choice xmlns:a14="http://schemas.microsoft.com/office/drawing/2010/main" Requires="a14">
+      <mc:AlternateContent xmlns:mc="http://schemas.openxmlformats.org/markup-compatibility/2006" xmlns:a14="http://schemas.microsoft.com/office/drawing/2010/main">
+        <mc:Choice Requires="a14">
           <p:sp>
             <p:nvSpPr>
               <p:cNvPr id="39" name="TextBox 38">
@@ -8128,13 +8128,7 @@
                             <a:rPr lang="en-IE" b="0" i="1" dirty="0" smtClean="0">
                               <a:latin typeface="Cambria Math" panose="02040503050406030204" pitchFamily="18" charset="0"/>
                             </a:rPr>
-                            <m:t>2</m:t>
-                          </m:r>
-                          <m:r>
-                            <a:rPr lang="en-IE" b="0" i="1" dirty="0" smtClean="0">
-                              <a:latin typeface="Cambria Math" panose="02040503050406030204" pitchFamily="18" charset="0"/>
-                            </a:rPr>
-                            <m:t>1</m:t>
+                            <m:t>21</m:t>
                           </m:r>
                         </m:sub>
                       </m:sSub>
@@ -8146,7 +8140,7 @@
             </p:txBody>
           </p:sp>
         </mc:Choice>
-        <mc:Fallback>
+        <mc:Fallback xmlns="">
           <p:sp>
             <p:nvSpPr>
               <p:cNvPr id="39" name="TextBox 38">
@@ -8191,8 +8185,8 @@
           </p:sp>
         </mc:Fallback>
       </mc:AlternateContent>
-      <mc:AlternateContent xmlns:mc="http://schemas.openxmlformats.org/markup-compatibility/2006">
-        <mc:Choice xmlns:a14="http://schemas.microsoft.com/office/drawing/2010/main" Requires="a14">
+      <mc:AlternateContent xmlns:mc="http://schemas.openxmlformats.org/markup-compatibility/2006" xmlns:a14="http://schemas.microsoft.com/office/drawing/2010/main">
+        <mc:Choice Requires="a14">
           <p:sp>
             <p:nvSpPr>
               <p:cNvPr id="40" name="TextBox 39">
@@ -8261,7 +8255,7 @@
             </p:txBody>
           </p:sp>
         </mc:Choice>
-        <mc:Fallback>
+        <mc:Fallback xmlns="">
           <p:sp>
             <p:nvSpPr>
               <p:cNvPr id="40" name="TextBox 39">
@@ -8421,8 +8415,8 @@
           </p:sp>
         </mc:Fallback>
       </mc:AlternateContent>
-      <mc:AlternateContent xmlns:mc="http://schemas.openxmlformats.org/markup-compatibility/2006">
-        <mc:Choice xmlns:a14="http://schemas.microsoft.com/office/drawing/2010/main" Requires="a14">
+      <mc:AlternateContent xmlns:mc="http://schemas.openxmlformats.org/markup-compatibility/2006" xmlns:a14="http://schemas.microsoft.com/office/drawing/2010/main">
+        <mc:Choice Requires="a14">
           <p:sp>
             <p:nvSpPr>
               <p:cNvPr id="42" name="TextBox 41">
@@ -8491,7 +8485,7 @@
             </p:txBody>
           </p:sp>
         </mc:Choice>
-        <mc:Fallback>
+        <mc:Fallback xmlns="">
           <p:sp>
             <p:nvSpPr>
               <p:cNvPr id="42" name="TextBox 41">
@@ -8536,8 +8530,8 @@
           </p:sp>
         </mc:Fallback>
       </mc:AlternateContent>
-      <mc:AlternateContent xmlns:mc="http://schemas.openxmlformats.org/markup-compatibility/2006">
-        <mc:Choice xmlns:a14="http://schemas.microsoft.com/office/drawing/2010/main" Requires="a14">
+      <mc:AlternateContent xmlns:mc="http://schemas.openxmlformats.org/markup-compatibility/2006" xmlns:a14="http://schemas.microsoft.com/office/drawing/2010/main">
+        <mc:Choice Requires="a14">
           <p:sp>
             <p:nvSpPr>
               <p:cNvPr id="43" name="TextBox 42">
@@ -8606,7 +8600,7 @@
             </p:txBody>
           </p:sp>
         </mc:Choice>
-        <mc:Fallback>
+        <mc:Fallback xmlns="">
           <p:sp>
             <p:nvSpPr>
               <p:cNvPr id="43" name="TextBox 42">
@@ -9946,7 +9940,7 @@
             </a:r>
             <a:r>
               <a:rPr lang="en-IE" dirty="0"/>
-              <a:t>small, but helpful if they’re non-zero</a:t>
+              <a:t>small, but helpful if they’re non-zero.</a:t>
             </a:r>
           </a:p>
           <a:p>
@@ -9954,23 +9948,38 @@
               <a:rPr dirty="0"/>
               <a:t>All biases = 0</a:t>
             </a:r>
+            <a:r>
+              <a:rPr lang="en-IE" dirty="0"/>
+              <a:t>.</a:t>
+            </a:r>
+            <a:endParaRPr dirty="0"/>
           </a:p>
           <a:p>
             <a:r>
               <a:rPr dirty="0"/>
               <a:t>Will update over training using error signal</a:t>
             </a:r>
+            <a:r>
+              <a:rPr lang="en-IE" dirty="0"/>
+              <a:t>.</a:t>
+            </a:r>
+            <a:endParaRPr dirty="0"/>
           </a:p>
           <a:p>
             <a:r>
               <a:rPr dirty="0"/>
               <a:t>Small integers make learning interpretable</a:t>
             </a:r>
+            <a:r>
+              <a:rPr lang="en-IE" dirty="0"/>
+              <a:t>.</a:t>
+            </a:r>
+            <a:endParaRPr dirty="0"/>
           </a:p>
         </p:txBody>
       </p:sp>
-      <mc:AlternateContent xmlns:mc="http://schemas.openxmlformats.org/markup-compatibility/2006">
-        <mc:Choice xmlns:a14="http://schemas.microsoft.com/office/drawing/2010/main" Requires="a14">
+      <mc:AlternateContent xmlns:mc="http://schemas.openxmlformats.org/markup-compatibility/2006" xmlns:a14="http://schemas.microsoft.com/office/drawing/2010/main">
+        <mc:Choice Requires="a14">
           <p:sp>
             <p:nvSpPr>
               <p:cNvPr id="6" name="Content Placeholder 5">
@@ -10065,7 +10074,13 @@
                                   <a:rPr lang="en-IE" b="0" i="1" smtClean="0">
                                     <a:latin typeface="Cambria Math" panose="02040503050406030204" pitchFamily="18" charset="0"/>
                                   </a:rPr>
-                                  <m:t>−1</m:t>
+                                  <m:t>−</m:t>
+                                </m:r>
+                                <m:r>
+                                  <a:rPr lang="en-IE" b="0" i="1" smtClean="0">
+                                    <a:latin typeface="Cambria Math" panose="02040503050406030204" pitchFamily="18" charset="0"/>
+                                  </a:rPr>
+                                  <m:t>1</m:t>
                                 </m:r>
                               </m:e>
                               <m:e>
@@ -10083,7 +10098,13 @@
                                   <a:rPr lang="en-IE" b="0" i="1" smtClean="0">
                                     <a:latin typeface="Cambria Math" panose="02040503050406030204" pitchFamily="18" charset="0"/>
                                   </a:rPr>
-                                  <m:t>−2</m:t>
+                                  <m:t>−</m:t>
+                                </m:r>
+                                <m:r>
+                                  <a:rPr lang="en-IE" b="0" i="1" smtClean="0">
+                                    <a:latin typeface="Cambria Math" panose="02040503050406030204" pitchFamily="18" charset="0"/>
+                                  </a:rPr>
+                                  <m:t>2</m:t>
                                 </m:r>
                               </m:e>
                               <m:e>
@@ -10234,7 +10255,7 @@
             </p:txBody>
           </p:sp>
         </mc:Choice>
-        <mc:Fallback>
+        <mc:Fallback xmlns="">
           <p:sp>
             <p:nvSpPr>
               <p:cNvPr id="6" name="Content Placeholder 5">
@@ -10350,8 +10371,8 @@
           </a:p>
         </p:txBody>
       </p:sp>
-      <mc:AlternateContent xmlns:mc="http://schemas.openxmlformats.org/markup-compatibility/2006" xmlns:a14="http://schemas.microsoft.com/office/drawing/2010/main">
-        <mc:Choice Requires="a14">
+      <mc:AlternateContent xmlns:mc="http://schemas.openxmlformats.org/markup-compatibility/2006">
+        <mc:Choice xmlns:a14="http://schemas.microsoft.com/office/drawing/2010/main" Requires="a14">
           <p:sp>
             <p:nvSpPr>
               <p:cNvPr id="3" name="Content Placeholder 2"/>
@@ -10448,7 +10469,19 @@
                         <a:rPr lang="ar-AE" sz="2400" i="1" dirty="0">
                           <a:latin typeface="Cambria Math" panose="02040503050406030204" pitchFamily="18" charset="0"/>
                         </a:rPr>
-                        <m:t>) + (1−</m:t>
+                        <m:t>) + (</m:t>
+                      </m:r>
+                      <m:r>
+                        <a:rPr lang="ar-AE" sz="2400" i="1" dirty="0">
+                          <a:latin typeface="Cambria Math" panose="02040503050406030204" pitchFamily="18" charset="0"/>
+                        </a:rPr>
+                        <m:t>1</m:t>
+                      </m:r>
+                      <m:r>
+                        <a:rPr lang="ar-AE" sz="2400" i="1" dirty="0">
+                          <a:latin typeface="Cambria Math" panose="02040503050406030204" pitchFamily="18" charset="0"/>
+                        </a:rPr>
+                        <m:t>−</m:t>
                       </m:r>
                       <m:r>
                         <a:rPr lang="ar-AE" sz="2400" i="1" dirty="0">
@@ -10475,7 +10508,19 @@
                         <a:rPr lang="en-IE" sz="2400" i="1" dirty="0">
                           <a:latin typeface="Cambria Math" panose="02040503050406030204" pitchFamily="18" charset="0"/>
                         </a:rPr>
-                        <m:t>⁡(1 −</m:t>
+                        <m:t>⁡(</m:t>
+                      </m:r>
+                      <m:r>
+                        <a:rPr lang="en-IE" sz="2400" i="1" dirty="0">
+                          <a:latin typeface="Cambria Math" panose="02040503050406030204" pitchFamily="18" charset="0"/>
+                        </a:rPr>
+                        <m:t>1</m:t>
+                      </m:r>
+                      <m:r>
+                        <a:rPr lang="en-IE" sz="2400" i="1" dirty="0">
+                          <a:latin typeface="Cambria Math" panose="02040503050406030204" pitchFamily="18" charset="0"/>
+                        </a:rPr>
+                        <m:t> −</m:t>
                       </m:r>
                       <m:acc>
                         <m:accPr>
@@ -10509,31 +10554,31 @@
               <a:p>
                 <a:r>
                   <a:rPr lang="en-IE" dirty="0"/>
-                  <a:t>Compare network output to target label</a:t>
+                  <a:t>Compare network output to target label.</a:t>
                 </a:r>
               </a:p>
               <a:p>
                 <a:r>
                   <a:rPr lang="en-IE" dirty="0"/>
-                  <a:t>Loss is high if output far from target</a:t>
+                  <a:t>Loss is high if output far from target.</a:t>
                 </a:r>
               </a:p>
               <a:p>
                 <a:r>
                   <a:rPr lang="en-IE" dirty="0"/>
-                  <a:t>Loss tells us how ‘wrong’ the current weights and biases are</a:t>
+                  <a:t>Loss tells us how ‘wrong’ the current weights and biases are.</a:t>
                 </a:r>
               </a:p>
               <a:p>
                 <a:r>
                   <a:rPr lang="cy-GB" dirty="0"/>
-                  <a:t>Loss is high → backpropagation needed</a:t>
+                  <a:t>Loss is high → backpropagation needed.</a:t>
                 </a:r>
               </a:p>
               <a:p>
                 <a:r>
                   <a:rPr lang="cy-GB" dirty="0"/>
-                  <a:t>We will now update weights</a:t>
+                  <a:t>We will now update weights.</a:t>
                 </a:r>
               </a:p>
               <a:p>
@@ -10542,7 +10587,7 @@
             </p:txBody>
           </p:sp>
         </mc:Choice>
-        <mc:Fallback xmlns="">
+        <mc:Fallback>
           <p:sp>
             <p:nvSpPr>
               <p:cNvPr id="3" name="Content Placeholder 2"/>
@@ -10557,7 +10602,7 @@
               <a:blipFill>
                 <a:blip r:embed="rId2"/>
                 <a:stretch>
-                  <a:fillRect l="-1368" t="-2439"/>
+                  <a:fillRect l="-1315" t="-2349"/>
                 </a:stretch>
               </a:blipFill>
             </p:spPr>
@@ -10566,7 +10611,7 @@
               <a:lstStyle/>
               <a:p>
                 <a:r>
-                  <a:rPr lang="en-US">
+                  <a:rPr lang="en-IE">
                     <a:noFill/>
                   </a:rPr>
                   <a:t> </a:t>

--- a/slides/day 2/D2C1_ANN.pptx
+++ b/slides/day 2/D2C1_ANN.pptx
@@ -213,7 +213,7 @@
           <a:p>
             <a:fld id="{FF5685EE-3D40-0A4E-BB88-46887330FC0A}" type="datetimeFigureOut">
               <a:rPr lang="en-US" smtClean="0"/>
-              <a:t>10/4/2025</a:t>
+              <a:t>10/6/25</a:t>
             </a:fld>
             <a:endParaRPr lang="en-US"/>
           </a:p>
@@ -595,7 +595,7 @@
             <a:fld id="{16F2FB5F-D553-C945-B874-A642CC0C851F}" type="datetime3">
               <a:rPr lang="en-IE" smtClean="0"/>
               <a:pPr/>
-              <a:t>4 October 2025</a:t>
+              <a:t>6 October 2025</a:t>
             </a:fld>
             <a:endParaRPr lang="en-US" dirty="0"/>
           </a:p>
@@ -1450,7 +1450,7 @@
             <a:fld id="{16F2FB5F-D553-C945-B874-A642CC0C851F}" type="datetime3">
               <a:rPr lang="en-IE" smtClean="0"/>
               <a:pPr/>
-              <a:t>4 October 2025</a:t>
+              <a:t>6 October 2025</a:t>
             </a:fld>
             <a:endParaRPr lang="en-US" dirty="0"/>
           </a:p>
@@ -1725,7 +1725,7 @@
             <a:fld id="{16F2FB5F-D553-C945-B874-A642CC0C851F}" type="datetime3">
               <a:rPr lang="en-IE" smtClean="0"/>
               <a:pPr/>
-              <a:t>4 October 2025</a:t>
+              <a:t>6 October 2025</a:t>
             </a:fld>
             <a:endParaRPr lang="en-US" dirty="0"/>
           </a:p>
@@ -1900,7 +1900,7 @@
           <a:p>
             <a:fld id="{BEF41344-4D35-F145-B477-F6239A2130EE}" type="datetime3">
               <a:rPr lang="en-IE" smtClean="0"/>
-              <a:t>4 October 2025</a:t>
+              <a:t>6 October 2025</a:t>
             </a:fld>
             <a:endParaRPr lang="en-US"/>
           </a:p>
@@ -2176,7 +2176,7 @@
           <a:p>
             <a:fld id="{07196900-CA2A-2D43-9641-C5C0DD2D22D3}" type="datetime3">
               <a:rPr lang="en-IE" smtClean="0"/>
-              <a:t>4 October 2025</a:t>
+              <a:t>6 October 2025</a:t>
             </a:fld>
             <a:endParaRPr lang="en-US"/>
           </a:p>
@@ -2444,7 +2444,7 @@
           <a:p>
             <a:fld id="{8AB1A910-F8E0-D541-83F2-2CFD6E718762}" type="datetime3">
               <a:rPr lang="en-IE" smtClean="0"/>
-              <a:t>4 October 2025</a:t>
+              <a:t>6 October 2025</a:t>
             </a:fld>
             <a:endParaRPr lang="en-US"/>
           </a:p>
@@ -2586,7 +2586,7 @@
           <a:p>
             <a:fld id="{7E245B59-D3F3-5B43-BDD1-6C7B7CFD2AA6}" type="datetime3">
               <a:rPr lang="en-IE" smtClean="0"/>
-              <a:t>4 October 2025</a:t>
+              <a:t>6 October 2025</a:t>
             </a:fld>
             <a:endParaRPr lang="en-US"/>
           </a:p>
@@ -2699,7 +2699,7 @@
           <a:p>
             <a:fld id="{AD77DDCF-3644-8C44-AE36-2C59F897E125}" type="datetime3">
               <a:rPr lang="en-IE" smtClean="0"/>
-              <a:t>4 October 2025</a:t>
+              <a:t>6 October 2025</a:t>
             </a:fld>
             <a:endParaRPr lang="en-US"/>
           </a:p>
@@ -3110,7 +3110,7 @@
           <a:p>
             <a:fld id="{C1B28D5F-B017-3B47-9775-DA319F6143FF}" type="datetime3">
               <a:rPr lang="en-IE" smtClean="0"/>
-              <a:t>4 October 2025</a:t>
+              <a:t>6 October 2025</a:t>
             </a:fld>
             <a:endParaRPr lang="en-US" dirty="0"/>
           </a:p>
@@ -4049,6 +4049,22 @@
               <a:rPr dirty="0"/>
               <a:t>Later epochs just refine the pattern.</a:t>
             </a:r>
+            <a:endParaRPr lang="en-IE" dirty="0"/>
+          </a:p>
+          <a:p>
+            <a:r>
+              <a:rPr lang="en-IE" dirty="0"/>
+              <a:t>(</a:t>
+            </a:r>
+            <a:r>
+              <a:rPr lang="en-IE" dirty="0" err="1"/>
+              <a:t>wandb</a:t>
+            </a:r>
+            <a:r>
+              <a:rPr lang="en-IE" dirty="0"/>
+              <a:t> package useful for monitoring runs)</a:t>
+            </a:r>
+            <a:endParaRPr dirty="0"/>
           </a:p>
         </p:txBody>
       </p:sp>
@@ -4495,7 +4511,7 @@
           <a:p>
             <a:r>
               <a:rPr lang="en-IE" dirty="0"/>
-              <a:t>A simpler version to this will be Q1 of the exam!</a:t>
+              <a:t>A simpler version to this (with derivatives given) will be on the exam!</a:t>
             </a:r>
             <a:endParaRPr dirty="0"/>
           </a:p>
@@ -10074,13 +10090,7 @@
                                   <a:rPr lang="en-IE" b="0" i="1" smtClean="0">
                                     <a:latin typeface="Cambria Math" panose="02040503050406030204" pitchFamily="18" charset="0"/>
                                   </a:rPr>
-                                  <m:t>−</m:t>
-                                </m:r>
-                                <m:r>
-                                  <a:rPr lang="en-IE" b="0" i="1" smtClean="0">
-                                    <a:latin typeface="Cambria Math" panose="02040503050406030204" pitchFamily="18" charset="0"/>
-                                  </a:rPr>
-                                  <m:t>1</m:t>
+                                  <m:t>−1</m:t>
                                 </m:r>
                               </m:e>
                               <m:e>
@@ -10098,13 +10108,7 @@
                                   <a:rPr lang="en-IE" b="0" i="1" smtClean="0">
                                     <a:latin typeface="Cambria Math" panose="02040503050406030204" pitchFamily="18" charset="0"/>
                                   </a:rPr>
-                                  <m:t>−</m:t>
-                                </m:r>
-                                <m:r>
-                                  <a:rPr lang="en-IE" b="0" i="1" smtClean="0">
-                                    <a:latin typeface="Cambria Math" panose="02040503050406030204" pitchFamily="18" charset="0"/>
-                                  </a:rPr>
-                                  <m:t>2</m:t>
+                                  <m:t>−2</m:t>
                                 </m:r>
                               </m:e>
                               <m:e>
@@ -10371,8 +10375,8 @@
           </a:p>
         </p:txBody>
       </p:sp>
-      <mc:AlternateContent xmlns:mc="http://schemas.openxmlformats.org/markup-compatibility/2006">
-        <mc:Choice xmlns:a14="http://schemas.microsoft.com/office/drawing/2010/main" Requires="a14">
+      <mc:AlternateContent xmlns:mc="http://schemas.openxmlformats.org/markup-compatibility/2006" xmlns:a14="http://schemas.microsoft.com/office/drawing/2010/main">
+        <mc:Choice Requires="a14">
           <p:sp>
             <p:nvSpPr>
               <p:cNvPr id="3" name="Content Placeholder 2"/>
@@ -10469,19 +10473,7 @@
                         <a:rPr lang="ar-AE" sz="2400" i="1" dirty="0">
                           <a:latin typeface="Cambria Math" panose="02040503050406030204" pitchFamily="18" charset="0"/>
                         </a:rPr>
-                        <m:t>) + (</m:t>
-                      </m:r>
-                      <m:r>
-                        <a:rPr lang="ar-AE" sz="2400" i="1" dirty="0">
-                          <a:latin typeface="Cambria Math" panose="02040503050406030204" pitchFamily="18" charset="0"/>
-                        </a:rPr>
-                        <m:t>1</m:t>
-                      </m:r>
-                      <m:r>
-                        <a:rPr lang="ar-AE" sz="2400" i="1" dirty="0">
-                          <a:latin typeface="Cambria Math" panose="02040503050406030204" pitchFamily="18" charset="0"/>
-                        </a:rPr>
-                        <m:t>−</m:t>
+                        <m:t>) + (1−</m:t>
                       </m:r>
                       <m:r>
                         <a:rPr lang="ar-AE" sz="2400" i="1" dirty="0">
@@ -10508,19 +10500,7 @@
                         <a:rPr lang="en-IE" sz="2400" i="1" dirty="0">
                           <a:latin typeface="Cambria Math" panose="02040503050406030204" pitchFamily="18" charset="0"/>
                         </a:rPr>
-                        <m:t>⁡(</m:t>
-                      </m:r>
-                      <m:r>
-                        <a:rPr lang="en-IE" sz="2400" i="1" dirty="0">
-                          <a:latin typeface="Cambria Math" panose="02040503050406030204" pitchFamily="18" charset="0"/>
-                        </a:rPr>
-                        <m:t>1</m:t>
-                      </m:r>
-                      <m:r>
-                        <a:rPr lang="en-IE" sz="2400" i="1" dirty="0">
-                          <a:latin typeface="Cambria Math" panose="02040503050406030204" pitchFamily="18" charset="0"/>
-                        </a:rPr>
-                        <m:t> −</m:t>
+                        <m:t>⁡(1 −</m:t>
                       </m:r>
                       <m:acc>
                         <m:accPr>
@@ -10587,7 +10567,7 @@
             </p:txBody>
           </p:sp>
         </mc:Choice>
-        <mc:Fallback>
+        <mc:Fallback xmlns="">
           <p:sp>
             <p:nvSpPr>
               <p:cNvPr id="3" name="Content Placeholder 2"/>
